--- a/presentation/Blockln.pptx
+++ b/presentation/Blockln.pptx
@@ -255,7 +255,7 @@
           <a:p>
             <a:fld id="{3DFA0E1C-FF95-4ECE-9020-D91B532BF20B}" type="datetimeFigureOut">
               <a:rPr kumimoji="1" lang="ja-JP" altLang="en-US" smtClean="0"/>
-              <a:t>2021/11/4</a:t>
+              <a:t>2021/11/5</a:t>
             </a:fld>
             <a:endParaRPr kumimoji="1" lang="ja-JP" altLang="en-US"/>
           </a:p>
@@ -457,7 +457,7 @@
           <a:p>
             <a:fld id="{3DFA0E1C-FF95-4ECE-9020-D91B532BF20B}" type="datetimeFigureOut">
               <a:rPr kumimoji="1" lang="ja-JP" altLang="en-US" smtClean="0"/>
-              <a:t>2021/11/4</a:t>
+              <a:t>2021/11/5</a:t>
             </a:fld>
             <a:endParaRPr kumimoji="1" lang="ja-JP" altLang="en-US"/>
           </a:p>
@@ -669,7 +669,7 @@
           <a:p>
             <a:fld id="{3DFA0E1C-FF95-4ECE-9020-D91B532BF20B}" type="datetimeFigureOut">
               <a:rPr kumimoji="1" lang="ja-JP" altLang="en-US" smtClean="0"/>
-              <a:t>2021/11/4</a:t>
+              <a:t>2021/11/5</a:t>
             </a:fld>
             <a:endParaRPr kumimoji="1" lang="ja-JP" altLang="en-US"/>
           </a:p>
@@ -871,7 +871,7 @@
           <a:p>
             <a:fld id="{3DFA0E1C-FF95-4ECE-9020-D91B532BF20B}" type="datetimeFigureOut">
               <a:rPr kumimoji="1" lang="ja-JP" altLang="en-US" smtClean="0"/>
-              <a:t>2021/11/4</a:t>
+              <a:t>2021/11/5</a:t>
             </a:fld>
             <a:endParaRPr kumimoji="1" lang="ja-JP" altLang="en-US"/>
           </a:p>
@@ -1117,7 +1117,7 @@
           <a:p>
             <a:fld id="{3DFA0E1C-FF95-4ECE-9020-D91B532BF20B}" type="datetimeFigureOut">
               <a:rPr kumimoji="1" lang="ja-JP" altLang="en-US" smtClean="0"/>
-              <a:t>2021/11/4</a:t>
+              <a:t>2021/11/5</a:t>
             </a:fld>
             <a:endParaRPr kumimoji="1" lang="ja-JP" altLang="en-US"/>
           </a:p>
@@ -1413,7 +1413,7 @@
           <a:p>
             <a:fld id="{3DFA0E1C-FF95-4ECE-9020-D91B532BF20B}" type="datetimeFigureOut">
               <a:rPr kumimoji="1" lang="ja-JP" altLang="en-US" smtClean="0"/>
-              <a:t>2021/11/4</a:t>
+              <a:t>2021/11/5</a:t>
             </a:fld>
             <a:endParaRPr kumimoji="1" lang="ja-JP" altLang="en-US"/>
           </a:p>
@@ -1844,7 +1844,7 @@
           <a:p>
             <a:fld id="{3DFA0E1C-FF95-4ECE-9020-D91B532BF20B}" type="datetimeFigureOut">
               <a:rPr kumimoji="1" lang="ja-JP" altLang="en-US" smtClean="0"/>
-              <a:t>2021/11/4</a:t>
+              <a:t>2021/11/5</a:t>
             </a:fld>
             <a:endParaRPr kumimoji="1" lang="ja-JP" altLang="en-US"/>
           </a:p>
@@ -1962,7 +1962,7 @@
           <a:p>
             <a:fld id="{3DFA0E1C-FF95-4ECE-9020-D91B532BF20B}" type="datetimeFigureOut">
               <a:rPr kumimoji="1" lang="ja-JP" altLang="en-US" smtClean="0"/>
-              <a:t>2021/11/4</a:t>
+              <a:t>2021/11/5</a:t>
             </a:fld>
             <a:endParaRPr kumimoji="1" lang="ja-JP" altLang="en-US"/>
           </a:p>
@@ -2057,7 +2057,7 @@
           <a:p>
             <a:fld id="{3DFA0E1C-FF95-4ECE-9020-D91B532BF20B}" type="datetimeFigureOut">
               <a:rPr kumimoji="1" lang="ja-JP" altLang="en-US" smtClean="0"/>
-              <a:t>2021/11/4</a:t>
+              <a:t>2021/11/5</a:t>
             </a:fld>
             <a:endParaRPr kumimoji="1" lang="ja-JP" altLang="en-US"/>
           </a:p>
@@ -2366,7 +2366,7 @@
           <a:p>
             <a:fld id="{3DFA0E1C-FF95-4ECE-9020-D91B532BF20B}" type="datetimeFigureOut">
               <a:rPr kumimoji="1" lang="ja-JP" altLang="en-US" smtClean="0"/>
-              <a:t>2021/11/4</a:t>
+              <a:t>2021/11/5</a:t>
             </a:fld>
             <a:endParaRPr kumimoji="1" lang="ja-JP" altLang="en-US"/>
           </a:p>
@@ -2619,7 +2619,7 @@
           <a:p>
             <a:fld id="{3DFA0E1C-FF95-4ECE-9020-D91B532BF20B}" type="datetimeFigureOut">
               <a:rPr kumimoji="1" lang="ja-JP" altLang="en-US" smtClean="0"/>
-              <a:t>2021/11/4</a:t>
+              <a:t>2021/11/5</a:t>
             </a:fld>
             <a:endParaRPr kumimoji="1" lang="ja-JP" altLang="en-US"/>
           </a:p>
@@ -2864,7 +2864,7 @@
           <a:p>
             <a:fld id="{3DFA0E1C-FF95-4ECE-9020-D91B532BF20B}" type="datetimeFigureOut">
               <a:rPr kumimoji="1" lang="ja-JP" altLang="en-US" smtClean="0"/>
-              <a:t>2021/11/4</a:t>
+              <a:t>2021/11/5</a:t>
             </a:fld>
             <a:endParaRPr kumimoji="1" lang="ja-JP" altLang="en-US"/>
           </a:p>
@@ -3285,18 +3285,38 @@
           <a:lstStyle/>
           <a:p>
             <a:r>
-              <a:rPr lang="ja-JP" altLang="en-US" dirty="0" smtClean="0"/>
-              <a:t>福井情報</a:t>
-            </a:r>
-            <a:r>
-              <a:rPr lang="en-US" altLang="ja-JP" dirty="0" smtClean="0"/>
+              <a:rPr lang="en-US" altLang="ja-JP" sz="4000" b="1" dirty="0" err="1" smtClean="0">
+                <a:latin typeface="BIZ UDPゴシック" panose="020B0400000000000000" pitchFamily="50" charset="-128"/>
+                <a:ea typeface="BIZ UDPゴシック" panose="020B0400000000000000" pitchFamily="50" charset="-128"/>
+              </a:rPr>
+              <a:t>Blockln</a:t>
+            </a:r>
+            <a:endParaRPr lang="en-US" altLang="ja-JP" sz="1050" b="1" dirty="0" smtClean="0">
+              <a:latin typeface="BIZ UDPゴシック" panose="020B0400000000000000" pitchFamily="50" charset="-128"/>
+              <a:ea typeface="BIZ UDPゴシック" panose="020B0400000000000000" pitchFamily="50" charset="-128"/>
+            </a:endParaRPr>
+          </a:p>
+          <a:p>
+            <a:endParaRPr lang="en-US" altLang="ja-JP" b="1" dirty="0"/>
+          </a:p>
+          <a:p>
+            <a:r>
+              <a:rPr lang="ja-JP" altLang="en-US" b="1" dirty="0" smtClean="0"/>
+              <a:t>福井</a:t>
+            </a:r>
+            <a:r>
+              <a:rPr lang="ja-JP" altLang="en-US" b="1" dirty="0" smtClean="0"/>
+              <a:t>情報</a:t>
+            </a:r>
+            <a:r>
+              <a:rPr lang="en-US" altLang="ja-JP" b="1" dirty="0" smtClean="0"/>
               <a:t>IT</a:t>
             </a:r>
             <a:r>
-              <a:rPr lang="ja-JP" altLang="en-US" dirty="0" smtClean="0"/>
+              <a:rPr lang="ja-JP" altLang="en-US" b="1" dirty="0" smtClean="0"/>
               <a:t>クリエイター専門学校</a:t>
             </a:r>
-            <a:endParaRPr kumimoji="1" lang="ja-JP" altLang="en-US" dirty="0"/>
+            <a:endParaRPr kumimoji="1" lang="ja-JP" altLang="en-US" b="1" dirty="0"/>
           </a:p>
         </p:txBody>
       </p:sp>
@@ -3405,7 +3425,31 @@
           <a:bodyPr/>
           <a:lstStyle/>
           <a:p>
-            <a:endParaRPr kumimoji="1" lang="ja-JP" altLang="en-US" dirty="0"/>
+            <a:pPr>
+              <a:lnSpc>
+                <a:spcPct val="200000"/>
+              </a:lnSpc>
+            </a:pPr>
+            <a:r>
+              <a:rPr kumimoji="1" lang="ja-JP" altLang="en-US" dirty="0" smtClean="0"/>
+              <a:t>ゲームの内容自体が複雑であるため、一つ一つ実装するのに時間をかけたこと</a:t>
+            </a:r>
+            <a:endParaRPr kumimoji="1" lang="en-US" altLang="ja-JP" dirty="0" smtClean="0"/>
+          </a:p>
+          <a:p>
+            <a:pPr>
+              <a:lnSpc>
+                <a:spcPct val="200000"/>
+              </a:lnSpc>
+            </a:pPr>
+            <a:r>
+              <a:rPr kumimoji="1" lang="ja-JP" altLang="en-US" dirty="0" smtClean="0"/>
+              <a:t>小学生でも遊べるようなゲームバランスの調整をすることに時間をかけたこと</a:t>
+            </a:r>
+            <a:endParaRPr lang="en-US" altLang="ja-JP" dirty="0"/>
+          </a:p>
+          <a:p>
+            <a:endParaRPr kumimoji="1" lang="en-US" altLang="ja-JP" dirty="0" smtClean="0"/>
           </a:p>
         </p:txBody>
       </p:sp>
@@ -3486,7 +3530,48 @@
           <a:bodyPr/>
           <a:lstStyle/>
           <a:p>
-            <a:endParaRPr kumimoji="1" lang="ja-JP" altLang="en-US" dirty="0"/>
+            <a:pPr marL="0" indent="0">
+              <a:buNone/>
+            </a:pPr>
+            <a:r>
+              <a:rPr lang="ja-JP" altLang="en-US" dirty="0" smtClean="0"/>
+              <a:t>◎より分かりやすくなるように、ステージの難易度を幅広く設定する</a:t>
+            </a:r>
+            <a:endParaRPr lang="en-US" altLang="ja-JP" dirty="0" smtClean="0"/>
+          </a:p>
+          <a:p>
+            <a:pPr marL="0" indent="0">
+              <a:buNone/>
+            </a:pPr>
+            <a:r>
+              <a:rPr lang="ja-JP" altLang="en-US" dirty="0" smtClean="0"/>
+              <a:t>例）チュートリアルステージの追加、ブロックの追加</a:t>
+            </a:r>
+            <a:r>
+              <a:rPr lang="en-US" altLang="ja-JP" dirty="0" err="1" smtClean="0"/>
+              <a:t>etc</a:t>
+            </a:r>
+            <a:endParaRPr lang="en-US" altLang="ja-JP" dirty="0" smtClean="0"/>
+          </a:p>
+          <a:p>
+            <a:pPr marL="0" indent="0">
+              <a:buNone/>
+            </a:pPr>
+            <a:endParaRPr lang="en-US" altLang="ja-JP" dirty="0" smtClean="0"/>
+          </a:p>
+          <a:p>
+            <a:pPr marL="0" indent="0">
+              <a:buNone/>
+            </a:pPr>
+            <a:r>
+              <a:rPr kumimoji="1" lang="ja-JP" altLang="en-US" dirty="0" smtClean="0"/>
+              <a:t>◎実際にステージをユーザーに作らせ、</a:t>
+            </a:r>
+            <a:r>
+              <a:rPr lang="ja-JP" altLang="en-US" dirty="0" smtClean="0"/>
+              <a:t>よりアルゴリズム的思考力が向上できるモードを追加する</a:t>
+            </a:r>
+            <a:endParaRPr lang="en-US" altLang="ja-JP" dirty="0" smtClean="0"/>
           </a:p>
         </p:txBody>
       </p:sp>
@@ -6283,15 +6368,11 @@
             </a:pPr>
             <a:r>
               <a:rPr lang="ja-JP" altLang="en-US" dirty="0" smtClean="0"/>
-              <a:t>・実際に操作</a:t>
-            </a:r>
-            <a:r>
-              <a:rPr lang="en-US" altLang="ja-JP" dirty="0" smtClean="0"/>
-              <a:t>/</a:t>
+              <a:t>・実際に</a:t>
             </a:r>
             <a:r>
               <a:rPr lang="ja-JP" altLang="en-US" dirty="0" smtClean="0"/>
-              <a:t>動画</a:t>
+              <a:t>操作してみましょう</a:t>
             </a:r>
             <a:endParaRPr lang="en-US" altLang="ja-JP" dirty="0" smtClean="0"/>
           </a:p>

--- a/presentation/Blockln.pptx
+++ b/presentation/Blockln.pptx
@@ -3302,11 +3302,7 @@
           <a:p>
             <a:r>
               <a:rPr lang="ja-JP" altLang="en-US" b="1" dirty="0" smtClean="0"/>
-              <a:t>福井</a:t>
-            </a:r>
-            <a:r>
-              <a:rPr lang="ja-JP" altLang="en-US" b="1" dirty="0" smtClean="0"/>
-              <a:t>情報</a:t>
+              <a:t>福井情報</a:t>
             </a:r>
             <a:r>
               <a:rPr lang="en-US" altLang="ja-JP" b="1" dirty="0" smtClean="0"/>
@@ -3425,26 +3421,36 @@
           <a:bodyPr/>
           <a:lstStyle/>
           <a:p>
-            <a:pPr>
+            <a:pPr marL="0" indent="0">
               <a:lnSpc>
                 <a:spcPct val="200000"/>
               </a:lnSpc>
+              <a:buNone/>
             </a:pPr>
             <a:r>
               <a:rPr kumimoji="1" lang="ja-JP" altLang="en-US" dirty="0" smtClean="0"/>
-              <a:t>ゲームの内容自体が複雑であるため、一つ一つ実装するのに時間をかけたこと</a:t>
+              <a:t>◎ゲーム</a:t>
+            </a:r>
+            <a:r>
+              <a:rPr kumimoji="1" lang="ja-JP" altLang="en-US" dirty="0" smtClean="0"/>
+              <a:t>の内容自体が複雑であるため、一つ一つ実装するのに時間をかけたこと</a:t>
             </a:r>
             <a:endParaRPr kumimoji="1" lang="en-US" altLang="ja-JP" dirty="0" smtClean="0"/>
           </a:p>
           <a:p>
-            <a:pPr>
+            <a:pPr marL="0" indent="0">
               <a:lnSpc>
                 <a:spcPct val="200000"/>
               </a:lnSpc>
+              <a:buNone/>
             </a:pPr>
             <a:r>
               <a:rPr kumimoji="1" lang="ja-JP" altLang="en-US" dirty="0" smtClean="0"/>
-              <a:t>小学生でも遊べるようなゲームバランスの調整をすることに時間をかけたこと</a:t>
+              <a:t>◎小学生</a:t>
+            </a:r>
+            <a:r>
+              <a:rPr kumimoji="1" lang="ja-JP" altLang="en-US" dirty="0" smtClean="0"/>
+              <a:t>でも遊べるようなゲームバランスの調整をすることに時間をかけたこと</a:t>
             </a:r>
             <a:endParaRPr lang="en-US" altLang="ja-JP" dirty="0"/>
           </a:p>
@@ -3830,8 +3836,12 @@
               <a:buNone/>
             </a:pPr>
             <a:r>
+              <a:rPr lang="ja-JP" altLang="en-US" dirty="0"/>
+              <a:t>◎</a:t>
+            </a:r>
+            <a:r>
               <a:rPr lang="ja-JP" altLang="en-US" dirty="0" smtClean="0"/>
-              <a:t>・「</a:t>
+              <a:t>「</a:t>
             </a:r>
             <a:r>
               <a:rPr kumimoji="1" lang="ja-JP" altLang="en-US" dirty="0" smtClean="0"/>
@@ -3858,8 +3868,16 @@
               <a:buNone/>
             </a:pPr>
             <a:r>
+              <a:rPr lang="ja-JP" altLang="en-US" dirty="0"/>
+              <a:t>◎</a:t>
+            </a:r>
+            <a:r>
               <a:rPr lang="ja-JP" altLang="en-US" dirty="0" smtClean="0"/>
-              <a:t>・小学生を中心としたプログラミング未経験者を主な対象とし、プログラミングにて必要とされる「論理的思考力」を楽しく習得することができ</a:t>
+              <a:t>小学生</a:t>
+            </a:r>
+            <a:r>
+              <a:rPr lang="ja-JP" altLang="en-US" dirty="0" smtClean="0"/>
+              <a:t>を中心としたプログラミング未経験者を主な対象とし、プログラミングにて必要とされる「論理的思考力」を楽しく習得することができ</a:t>
             </a:r>
             <a:r>
               <a:rPr lang="ja-JP" altLang="en-US" dirty="0"/>
@@ -6367,12 +6385,16 @@
               <a:buNone/>
             </a:pPr>
             <a:r>
+              <a:rPr lang="ja-JP" altLang="en-US" dirty="0"/>
+              <a:t>◎</a:t>
+            </a:r>
+            <a:r>
               <a:rPr lang="ja-JP" altLang="en-US" dirty="0" smtClean="0"/>
-              <a:t>・実際に</a:t>
+              <a:t>実際に</a:t>
             </a:r>
             <a:r>
               <a:rPr lang="ja-JP" altLang="en-US" dirty="0" smtClean="0"/>
-              <a:t>操作してみましょう</a:t>
+              <a:t>ゲームを操作します（動画）</a:t>
             </a:r>
             <a:endParaRPr lang="en-US" altLang="ja-JP" dirty="0" smtClean="0"/>
           </a:p>

--- a/presentation/Blockln.pptx
+++ b/presentation/Blockln.pptx
@@ -8,16 +8,15 @@
     <p:sldId id="256" r:id="rId2"/>
     <p:sldId id="257" r:id="rId3"/>
     <p:sldId id="259" r:id="rId4"/>
-    <p:sldId id="263" r:id="rId5"/>
-    <p:sldId id="260" r:id="rId6"/>
-    <p:sldId id="261" r:id="rId7"/>
-    <p:sldId id="262" r:id="rId8"/>
-    <p:sldId id="268" r:id="rId9"/>
-    <p:sldId id="269" r:id="rId10"/>
-    <p:sldId id="264" r:id="rId11"/>
-    <p:sldId id="265" r:id="rId12"/>
-    <p:sldId id="266" r:id="rId13"/>
-    <p:sldId id="267" r:id="rId14"/>
+    <p:sldId id="260" r:id="rId5"/>
+    <p:sldId id="261" r:id="rId6"/>
+    <p:sldId id="262" r:id="rId7"/>
+    <p:sldId id="268" r:id="rId8"/>
+    <p:sldId id="269" r:id="rId9"/>
+    <p:sldId id="264" r:id="rId10"/>
+    <p:sldId id="265" r:id="rId11"/>
+    <p:sldId id="266" r:id="rId12"/>
+    <p:sldId id="267" r:id="rId13"/>
   </p:sldIdLst>
   <p:sldSz cx="12192000" cy="6858000"/>
   <p:notesSz cx="6858000" cy="9144000"/>
@@ -255,7 +254,7 @@
           <a:p>
             <a:fld id="{3DFA0E1C-FF95-4ECE-9020-D91B532BF20B}" type="datetimeFigureOut">
               <a:rPr kumimoji="1" lang="ja-JP" altLang="en-US" smtClean="0"/>
-              <a:t>2021/11/5</a:t>
+              <a:t>2021/11/9</a:t>
             </a:fld>
             <a:endParaRPr kumimoji="1" lang="ja-JP" altLang="en-US"/>
           </a:p>
@@ -457,7 +456,7 @@
           <a:p>
             <a:fld id="{3DFA0E1C-FF95-4ECE-9020-D91B532BF20B}" type="datetimeFigureOut">
               <a:rPr kumimoji="1" lang="ja-JP" altLang="en-US" smtClean="0"/>
-              <a:t>2021/11/5</a:t>
+              <a:t>2021/11/9</a:t>
             </a:fld>
             <a:endParaRPr kumimoji="1" lang="ja-JP" altLang="en-US"/>
           </a:p>
@@ -669,7 +668,7 @@
           <a:p>
             <a:fld id="{3DFA0E1C-FF95-4ECE-9020-D91B532BF20B}" type="datetimeFigureOut">
               <a:rPr kumimoji="1" lang="ja-JP" altLang="en-US" smtClean="0"/>
-              <a:t>2021/11/5</a:t>
+              <a:t>2021/11/9</a:t>
             </a:fld>
             <a:endParaRPr kumimoji="1" lang="ja-JP" altLang="en-US"/>
           </a:p>
@@ -871,7 +870,7 @@
           <a:p>
             <a:fld id="{3DFA0E1C-FF95-4ECE-9020-D91B532BF20B}" type="datetimeFigureOut">
               <a:rPr kumimoji="1" lang="ja-JP" altLang="en-US" smtClean="0"/>
-              <a:t>2021/11/5</a:t>
+              <a:t>2021/11/9</a:t>
             </a:fld>
             <a:endParaRPr kumimoji="1" lang="ja-JP" altLang="en-US"/>
           </a:p>
@@ -1117,7 +1116,7 @@
           <a:p>
             <a:fld id="{3DFA0E1C-FF95-4ECE-9020-D91B532BF20B}" type="datetimeFigureOut">
               <a:rPr kumimoji="1" lang="ja-JP" altLang="en-US" smtClean="0"/>
-              <a:t>2021/11/5</a:t>
+              <a:t>2021/11/9</a:t>
             </a:fld>
             <a:endParaRPr kumimoji="1" lang="ja-JP" altLang="en-US"/>
           </a:p>
@@ -1413,7 +1412,7 @@
           <a:p>
             <a:fld id="{3DFA0E1C-FF95-4ECE-9020-D91B532BF20B}" type="datetimeFigureOut">
               <a:rPr kumimoji="1" lang="ja-JP" altLang="en-US" smtClean="0"/>
-              <a:t>2021/11/5</a:t>
+              <a:t>2021/11/9</a:t>
             </a:fld>
             <a:endParaRPr kumimoji="1" lang="ja-JP" altLang="en-US"/>
           </a:p>
@@ -1844,7 +1843,7 @@
           <a:p>
             <a:fld id="{3DFA0E1C-FF95-4ECE-9020-D91B532BF20B}" type="datetimeFigureOut">
               <a:rPr kumimoji="1" lang="ja-JP" altLang="en-US" smtClean="0"/>
-              <a:t>2021/11/5</a:t>
+              <a:t>2021/11/9</a:t>
             </a:fld>
             <a:endParaRPr kumimoji="1" lang="ja-JP" altLang="en-US"/>
           </a:p>
@@ -1962,7 +1961,7 @@
           <a:p>
             <a:fld id="{3DFA0E1C-FF95-4ECE-9020-D91B532BF20B}" type="datetimeFigureOut">
               <a:rPr kumimoji="1" lang="ja-JP" altLang="en-US" smtClean="0"/>
-              <a:t>2021/11/5</a:t>
+              <a:t>2021/11/9</a:t>
             </a:fld>
             <a:endParaRPr kumimoji="1" lang="ja-JP" altLang="en-US"/>
           </a:p>
@@ -2057,7 +2056,7 @@
           <a:p>
             <a:fld id="{3DFA0E1C-FF95-4ECE-9020-D91B532BF20B}" type="datetimeFigureOut">
               <a:rPr kumimoji="1" lang="ja-JP" altLang="en-US" smtClean="0"/>
-              <a:t>2021/11/5</a:t>
+              <a:t>2021/11/9</a:t>
             </a:fld>
             <a:endParaRPr kumimoji="1" lang="ja-JP" altLang="en-US"/>
           </a:p>
@@ -2366,7 +2365,7 @@
           <a:p>
             <a:fld id="{3DFA0E1C-FF95-4ECE-9020-D91B532BF20B}" type="datetimeFigureOut">
               <a:rPr kumimoji="1" lang="ja-JP" altLang="en-US" smtClean="0"/>
-              <a:t>2021/11/5</a:t>
+              <a:t>2021/11/9</a:t>
             </a:fld>
             <a:endParaRPr kumimoji="1" lang="ja-JP" altLang="en-US"/>
           </a:p>
@@ -2619,7 +2618,7 @@
           <a:p>
             <a:fld id="{3DFA0E1C-FF95-4ECE-9020-D91B532BF20B}" type="datetimeFigureOut">
               <a:rPr kumimoji="1" lang="ja-JP" altLang="en-US" smtClean="0"/>
-              <a:t>2021/11/5</a:t>
+              <a:t>2021/11/9</a:t>
             </a:fld>
             <a:endParaRPr kumimoji="1" lang="ja-JP" altLang="en-US"/>
           </a:p>
@@ -2864,7 +2863,7 @@
           <a:p>
             <a:fld id="{3DFA0E1C-FF95-4ECE-9020-D91B532BF20B}" type="datetimeFigureOut">
               <a:rPr kumimoji="1" lang="ja-JP" altLang="en-US" smtClean="0"/>
-              <a:t>2021/11/5</a:t>
+              <a:t>2021/11/9</a:t>
             </a:fld>
             <a:endParaRPr kumimoji="1" lang="ja-JP" altLang="en-US"/>
           </a:p>
@@ -3399,8 +3398,8 @@
           <a:lstStyle/>
           <a:p>
             <a:r>
-              <a:rPr lang="ja-JP" altLang="en-US" b="1" dirty="0" smtClean="0"/>
-              <a:t>制作に苦労した点</a:t>
+              <a:rPr kumimoji="1" lang="ja-JP" altLang="en-US" b="1" dirty="0" smtClean="0"/>
+              <a:t>今後の発展</a:t>
             </a:r>
             <a:endParaRPr kumimoji="1" lang="ja-JP" altLang="en-US" b="1" dirty="0"/>
           </a:p>
@@ -3422,47 +3421,54 @@
           <a:lstStyle/>
           <a:p>
             <a:pPr marL="0" indent="0">
-              <a:lnSpc>
-                <a:spcPct val="200000"/>
-              </a:lnSpc>
               <a:buNone/>
             </a:pPr>
             <a:r>
+              <a:rPr lang="ja-JP" altLang="en-US" dirty="0" smtClean="0"/>
+              <a:t>◎より分かりやすくなるように、ステージの難易度を幅広く設定する</a:t>
+            </a:r>
+            <a:endParaRPr lang="en-US" altLang="ja-JP" dirty="0" smtClean="0"/>
+          </a:p>
+          <a:p>
+            <a:pPr marL="0" indent="0">
+              <a:buNone/>
+            </a:pPr>
+            <a:r>
+              <a:rPr lang="ja-JP" altLang="en-US" dirty="0" smtClean="0"/>
+              <a:t>例）チュートリアルステージの追加、ブロックの追加</a:t>
+            </a:r>
+            <a:r>
+              <a:rPr lang="en-US" altLang="ja-JP" dirty="0" err="1" smtClean="0"/>
+              <a:t>etc</a:t>
+            </a:r>
+            <a:endParaRPr lang="en-US" altLang="ja-JP" dirty="0" smtClean="0"/>
+          </a:p>
+          <a:p>
+            <a:pPr marL="0" indent="0">
+              <a:buNone/>
+            </a:pPr>
+            <a:endParaRPr lang="en-US" altLang="ja-JP" dirty="0" smtClean="0"/>
+          </a:p>
+          <a:p>
+            <a:pPr marL="0" indent="0">
+              <a:buNone/>
+            </a:pPr>
+            <a:r>
               <a:rPr kumimoji="1" lang="ja-JP" altLang="en-US" dirty="0" smtClean="0"/>
-              <a:t>◎ゲーム</a:t>
-            </a:r>
-            <a:r>
-              <a:rPr kumimoji="1" lang="ja-JP" altLang="en-US" dirty="0" smtClean="0"/>
-              <a:t>の内容自体が複雑であるため、一つ一つ実装するのに時間をかけたこと</a:t>
-            </a:r>
-            <a:endParaRPr kumimoji="1" lang="en-US" altLang="ja-JP" dirty="0" smtClean="0"/>
-          </a:p>
-          <a:p>
-            <a:pPr marL="0" indent="0">
-              <a:lnSpc>
-                <a:spcPct val="200000"/>
-              </a:lnSpc>
-              <a:buNone/>
-            </a:pPr>
-            <a:r>
-              <a:rPr kumimoji="1" lang="ja-JP" altLang="en-US" dirty="0" smtClean="0"/>
-              <a:t>◎小学生</a:t>
-            </a:r>
-            <a:r>
-              <a:rPr kumimoji="1" lang="ja-JP" altLang="en-US" dirty="0" smtClean="0"/>
-              <a:t>でも遊べるようなゲームバランスの調整をすることに時間をかけたこと</a:t>
-            </a:r>
-            <a:endParaRPr lang="en-US" altLang="ja-JP" dirty="0"/>
-          </a:p>
-          <a:p>
-            <a:endParaRPr kumimoji="1" lang="en-US" altLang="ja-JP" dirty="0" smtClean="0"/>
+              <a:t>◎実際にステージをユーザーに作らせ、</a:t>
+            </a:r>
+            <a:r>
+              <a:rPr lang="ja-JP" altLang="en-US" dirty="0" smtClean="0"/>
+              <a:t>よりアルゴリズム的思考力が向上できるモードを追加する</a:t>
+            </a:r>
+            <a:endParaRPr lang="en-US" altLang="ja-JP" dirty="0" smtClean="0"/>
           </a:p>
         </p:txBody>
       </p:sp>
     </p:spTree>
     <p:extLst>
       <p:ext uri="{BB962C8B-B14F-4D97-AF65-F5344CB8AC3E}">
-        <p14:creationId xmlns:p14="http://schemas.microsoft.com/office/powerpoint/2010/main" val="3621296563"/>
+        <p14:creationId xmlns:p14="http://schemas.microsoft.com/office/powerpoint/2010/main" val="3559104934"/>
       </p:ext>
     </p:extLst>
   </p:cSld>
@@ -3515,128 +3521,6 @@
           <a:p>
             <a:r>
               <a:rPr kumimoji="1" lang="ja-JP" altLang="en-US" b="1" dirty="0" smtClean="0"/>
-              <a:t>今後の発展</a:t>
-            </a:r>
-            <a:endParaRPr kumimoji="1" lang="ja-JP" altLang="en-US" b="1" dirty="0"/>
-          </a:p>
-        </p:txBody>
-      </p:sp>
-      <p:sp>
-        <p:nvSpPr>
-          <p:cNvPr id="3" name="コンテンツ プレースホルダー 2"/>
-          <p:cNvSpPr>
-            <a:spLocks noGrp="1"/>
-          </p:cNvSpPr>
-          <p:nvPr>
-            <p:ph idx="1"/>
-          </p:nvPr>
-        </p:nvSpPr>
-        <p:spPr/>
-        <p:txBody>
-          <a:bodyPr/>
-          <a:lstStyle/>
-          <a:p>
-            <a:pPr marL="0" indent="0">
-              <a:buNone/>
-            </a:pPr>
-            <a:r>
-              <a:rPr lang="ja-JP" altLang="en-US" dirty="0" smtClean="0"/>
-              <a:t>◎より分かりやすくなるように、ステージの難易度を幅広く設定する</a:t>
-            </a:r>
-            <a:endParaRPr lang="en-US" altLang="ja-JP" dirty="0" smtClean="0"/>
-          </a:p>
-          <a:p>
-            <a:pPr marL="0" indent="0">
-              <a:buNone/>
-            </a:pPr>
-            <a:r>
-              <a:rPr lang="ja-JP" altLang="en-US" dirty="0" smtClean="0"/>
-              <a:t>例）チュートリアルステージの追加、ブロックの追加</a:t>
-            </a:r>
-            <a:r>
-              <a:rPr lang="en-US" altLang="ja-JP" dirty="0" err="1" smtClean="0"/>
-              <a:t>etc</a:t>
-            </a:r>
-            <a:endParaRPr lang="en-US" altLang="ja-JP" dirty="0" smtClean="0"/>
-          </a:p>
-          <a:p>
-            <a:pPr marL="0" indent="0">
-              <a:buNone/>
-            </a:pPr>
-            <a:endParaRPr lang="en-US" altLang="ja-JP" dirty="0" smtClean="0"/>
-          </a:p>
-          <a:p>
-            <a:pPr marL="0" indent="0">
-              <a:buNone/>
-            </a:pPr>
-            <a:r>
-              <a:rPr kumimoji="1" lang="ja-JP" altLang="en-US" dirty="0" smtClean="0"/>
-              <a:t>◎実際にステージをユーザーに作らせ、</a:t>
-            </a:r>
-            <a:r>
-              <a:rPr lang="ja-JP" altLang="en-US" dirty="0" smtClean="0"/>
-              <a:t>よりアルゴリズム的思考力が向上できるモードを追加する</a:t>
-            </a:r>
-            <a:endParaRPr lang="en-US" altLang="ja-JP" dirty="0" smtClean="0"/>
-          </a:p>
-        </p:txBody>
-      </p:sp>
-    </p:spTree>
-    <p:extLst>
-      <p:ext uri="{BB962C8B-B14F-4D97-AF65-F5344CB8AC3E}">
-        <p14:creationId xmlns:p14="http://schemas.microsoft.com/office/powerpoint/2010/main" val="3559104934"/>
-      </p:ext>
-    </p:extLst>
-  </p:cSld>
-  <p:clrMapOvr>
-    <a:masterClrMapping/>
-  </p:clrMapOvr>
-  <p:timing>
-    <p:tnLst>
-      <p:par>
-        <p:cTn id="1" dur="indefinite" restart="never" nodeType="tmRoot"/>
-      </p:par>
-    </p:tnLst>
-  </p:timing>
-</p:sld>
-</file>
-
-<file path=ppt/slides/slide12.xml><?xml version="1.0" encoding="utf-8"?>
-<p:sld xmlns:a="http://schemas.openxmlformats.org/drawingml/2006/main" xmlns:r="http://schemas.openxmlformats.org/officeDocument/2006/relationships" xmlns:p="http://schemas.openxmlformats.org/presentationml/2006/main">
-  <p:cSld>
-    <p:spTree>
-      <p:nvGrpSpPr>
-        <p:cNvPr id="1" name=""/>
-        <p:cNvGrpSpPr/>
-        <p:nvPr/>
-      </p:nvGrpSpPr>
-      <p:grpSpPr>
-        <a:xfrm>
-          <a:off x="0" y="0"/>
-          <a:ext cx="0" cy="0"/>
-          <a:chOff x="0" y="0"/>
-          <a:chExt cx="0" cy="0"/>
-        </a:xfrm>
-      </p:grpSpPr>
-      <p:sp>
-        <p:nvSpPr>
-          <p:cNvPr id="2" name="タイトル 1"/>
-          <p:cNvSpPr>
-            <a:spLocks noGrp="1"/>
-          </p:cNvSpPr>
-          <p:nvPr>
-            <p:ph type="title"/>
-          </p:nvPr>
-        </p:nvSpPr>
-        <p:spPr/>
-        <p:txBody>
-          <a:bodyPr>
-            <a:normAutofit/>
-          </a:bodyPr>
-          <a:lstStyle/>
-          <a:p>
-            <a:r>
-              <a:rPr kumimoji="1" lang="ja-JP" altLang="en-US" b="1" dirty="0" smtClean="0"/>
               <a:t>想定される質問①</a:t>
             </a:r>
             <a:endParaRPr kumimoji="1" lang="ja-JP" altLang="en-US" b="1" dirty="0"/>
@@ -3682,7 +3566,7 @@
 </p:sld>
 </file>
 
-<file path=ppt/slides/slide13.xml><?xml version="1.0" encoding="utf-8"?>
+<file path=ppt/slides/slide12.xml><?xml version="1.0" encoding="utf-8"?>
 <p:sld xmlns:a="http://schemas.openxmlformats.org/drawingml/2006/main" xmlns:r="http://schemas.openxmlformats.org/officeDocument/2006/relationships" xmlns:p="http://schemas.openxmlformats.org/presentationml/2006/main">
   <p:cSld>
     <p:spTree>
@@ -3873,11 +3757,7 @@
             </a:r>
             <a:r>
               <a:rPr lang="ja-JP" altLang="en-US" dirty="0" smtClean="0"/>
-              <a:t>小学生</a:t>
-            </a:r>
-            <a:r>
-              <a:rPr lang="ja-JP" altLang="en-US" dirty="0" smtClean="0"/>
-              <a:t>を中心としたプログラミング未経験者を主な対象とし、プログラミングにて必要とされる「論理的思考力」を楽しく習得することができ</a:t>
+              <a:t>小学生を中心としたプログラミング未経験者を主な対象とし、プログラミングにて必要とされる「論理的思考力」を楽しく習得することができ</a:t>
             </a:r>
             <a:r>
               <a:rPr lang="ja-JP" altLang="en-US" dirty="0"/>
@@ -4224,368 +4104,6 @@
 </file>
 
 <file path=ppt/slides/slide4.xml><?xml version="1.0" encoding="utf-8"?>
-<p:sld xmlns:a="http://schemas.openxmlformats.org/drawingml/2006/main" xmlns:r="http://schemas.openxmlformats.org/officeDocument/2006/relationships" xmlns:p="http://schemas.openxmlformats.org/presentationml/2006/main">
-  <p:cSld>
-    <p:spTree>
-      <p:nvGrpSpPr>
-        <p:cNvPr id="1" name=""/>
-        <p:cNvGrpSpPr/>
-        <p:nvPr/>
-      </p:nvGrpSpPr>
-      <p:grpSpPr>
-        <a:xfrm>
-          <a:off x="0" y="0"/>
-          <a:ext cx="0" cy="0"/>
-          <a:chOff x="0" y="0"/>
-          <a:chExt cx="0" cy="0"/>
-        </a:xfrm>
-      </p:grpSpPr>
-      <p:sp>
-        <p:nvSpPr>
-          <p:cNvPr id="2" name="タイトル 1"/>
-          <p:cNvSpPr>
-            <a:spLocks noGrp="1"/>
-          </p:cNvSpPr>
-          <p:nvPr>
-            <p:ph type="title"/>
-          </p:nvPr>
-        </p:nvSpPr>
-        <p:spPr/>
-        <p:txBody>
-          <a:bodyPr>
-            <a:normAutofit/>
-          </a:bodyPr>
-          <a:lstStyle/>
-          <a:p>
-            <a:r>
-              <a:rPr kumimoji="1" lang="ja-JP" altLang="en-US" b="1" smtClean="0"/>
-              <a:t>ゲームの流れ</a:t>
-            </a:r>
-            <a:endParaRPr kumimoji="1" lang="ja-JP" altLang="en-US" b="1" dirty="0"/>
-          </a:p>
-        </p:txBody>
-      </p:sp>
-      <p:sp>
-        <p:nvSpPr>
-          <p:cNvPr id="3" name="コンテンツ プレースホルダー 2"/>
-          <p:cNvSpPr>
-            <a:spLocks noGrp="1"/>
-          </p:cNvSpPr>
-          <p:nvPr>
-            <p:ph idx="1"/>
-          </p:nvPr>
-        </p:nvSpPr>
-        <p:spPr/>
-        <p:txBody>
-          <a:bodyPr/>
-          <a:lstStyle/>
-          <a:p>
-            <a:pPr marL="0" indent="0">
-              <a:lnSpc>
-                <a:spcPct val="150000"/>
-              </a:lnSpc>
-              <a:buNone/>
-            </a:pPr>
-            <a:r>
-              <a:rPr lang="ja-JP" altLang="en-US" dirty="0" smtClean="0"/>
-              <a:t>➀ユーザープログラミング画面内でブロックを配置する</a:t>
-            </a:r>
-            <a:endParaRPr lang="en-US" altLang="ja-JP" dirty="0" smtClean="0"/>
-          </a:p>
-          <a:p>
-            <a:pPr marL="0" indent="0">
-              <a:lnSpc>
-                <a:spcPct val="150000"/>
-              </a:lnSpc>
-              <a:buNone/>
-            </a:pPr>
-            <a:r>
-              <a:rPr lang="ja-JP" altLang="en-US" dirty="0" smtClean="0">
-                <a:solidFill>
-                  <a:srgbClr val="FF0000"/>
-                </a:solidFill>
-              </a:rPr>
-              <a:t>　</a:t>
-            </a:r>
-            <a:r>
-              <a:rPr lang="en-US" altLang="ja-JP" sz="2400" b="1" u="sng" dirty="0" smtClean="0">
-                <a:solidFill>
-                  <a:srgbClr val="FF0000"/>
-                </a:solidFill>
-              </a:rPr>
-              <a:t>※PC</a:t>
-            </a:r>
-            <a:r>
-              <a:rPr lang="ja-JP" altLang="en-US" sz="2400" b="1" u="sng" dirty="0" smtClean="0">
-                <a:solidFill>
-                  <a:srgbClr val="FF0000"/>
-                </a:solidFill>
-              </a:rPr>
-              <a:t>（</a:t>
-            </a:r>
-            <a:r>
-              <a:rPr lang="en-US" altLang="ja-JP" sz="2400" b="1" u="sng" dirty="0" smtClean="0">
-                <a:solidFill>
-                  <a:srgbClr val="FF0000"/>
-                </a:solidFill>
-              </a:rPr>
-              <a:t>Player Character</a:t>
-            </a:r>
-            <a:r>
-              <a:rPr lang="ja-JP" altLang="en-US" sz="2400" b="1" u="sng" dirty="0" smtClean="0">
-                <a:solidFill>
-                  <a:srgbClr val="FF0000"/>
-                </a:solidFill>
-              </a:rPr>
-              <a:t>）の行動を決める</a:t>
-            </a:r>
-            <a:endParaRPr lang="en-US" altLang="ja-JP" sz="2400" b="1" u="sng" dirty="0" smtClean="0">
-              <a:solidFill>
-                <a:srgbClr val="FF0000"/>
-              </a:solidFill>
-            </a:endParaRPr>
-          </a:p>
-          <a:p>
-            <a:pPr marL="0" indent="0">
-              <a:lnSpc>
-                <a:spcPct val="150000"/>
-              </a:lnSpc>
-              <a:buNone/>
-            </a:pPr>
-            <a:r>
-              <a:rPr kumimoji="1" lang="ja-JP" altLang="en-US" dirty="0" smtClean="0"/>
-              <a:t>➁配置したブロックの通りに</a:t>
-            </a:r>
-            <a:r>
-              <a:rPr kumimoji="1" lang="en-US" altLang="ja-JP" dirty="0" smtClean="0"/>
-              <a:t>PC</a:t>
-            </a:r>
-            <a:r>
-              <a:rPr kumimoji="1" lang="ja-JP" altLang="en-US" dirty="0" smtClean="0"/>
-              <a:t>が行動する</a:t>
-            </a:r>
-            <a:endParaRPr kumimoji="1" lang="en-US" altLang="ja-JP" dirty="0" smtClean="0"/>
-          </a:p>
-          <a:p>
-            <a:pPr marL="0" indent="0">
-              <a:lnSpc>
-                <a:spcPct val="150000"/>
-              </a:lnSpc>
-              <a:buNone/>
-            </a:pPr>
-            <a:r>
-              <a:rPr lang="ja-JP" altLang="en-US" dirty="0" smtClean="0"/>
-              <a:t>➂</a:t>
-            </a:r>
-            <a:r>
-              <a:rPr lang="en-US" altLang="ja-JP" dirty="0" smtClean="0"/>
-              <a:t>PC</a:t>
-            </a:r>
-            <a:r>
-              <a:rPr lang="ja-JP" altLang="en-US" dirty="0" smtClean="0"/>
-              <a:t>が改造したマップを</a:t>
-            </a:r>
-            <a:r>
-              <a:rPr lang="en-US" altLang="ja-JP" dirty="0" smtClean="0">
-                <a:latin typeface="+mj-ea"/>
-                <a:ea typeface="+mj-ea"/>
-              </a:rPr>
-              <a:t>NPC(Non Player Character)</a:t>
-            </a:r>
-            <a:r>
-              <a:rPr lang="ja-JP" altLang="en-US" dirty="0" smtClean="0"/>
-              <a:t>が移動する</a:t>
-            </a:r>
-            <a:endParaRPr lang="en-US" altLang="ja-JP" dirty="0" smtClean="0"/>
-          </a:p>
-          <a:p>
-            <a:pPr marL="0" indent="0">
-              <a:lnSpc>
-                <a:spcPct val="150000"/>
-              </a:lnSpc>
-              <a:buNone/>
-            </a:pPr>
-            <a:r>
-              <a:rPr kumimoji="1" lang="ja-JP" altLang="en-US" dirty="0" smtClean="0"/>
-              <a:t>➃</a:t>
-            </a:r>
-            <a:r>
-              <a:rPr kumimoji="1" lang="en-US" altLang="ja-JP" dirty="0" smtClean="0"/>
-              <a:t>NPC</a:t>
-            </a:r>
-            <a:r>
-              <a:rPr kumimoji="1" lang="ja-JP" altLang="en-US" dirty="0" smtClean="0"/>
-              <a:t>がゴールに辿り着くことができればクリアとなる</a:t>
-            </a:r>
-            <a:endParaRPr kumimoji="1" lang="en-US" altLang="ja-JP" dirty="0" smtClean="0"/>
-          </a:p>
-        </p:txBody>
-      </p:sp>
-      <p:pic>
-        <p:nvPicPr>
-          <p:cNvPr id="4" name="図 3"/>
-          <p:cNvPicPr>
-            <a:picLocks noChangeAspect="1"/>
-          </p:cNvPicPr>
-          <p:nvPr/>
-        </p:nvPicPr>
-        <p:blipFill rotWithShape="1">
-          <a:blip r:embed="rId2">
-            <a:extLst>
-              <a:ext uri="{28A0092B-C50C-407E-A947-70E740481C1C}">
-                <a14:useLocalDpi xmlns:a14="http://schemas.microsoft.com/office/drawing/2010/main" val="0"/>
-              </a:ext>
-            </a:extLst>
-          </a:blip>
-          <a:srcRect r="83337" b="77503"/>
-          <a:stretch/>
-        </p:blipFill>
-        <p:spPr>
-          <a:xfrm>
-            <a:off x="8656435" y="2853711"/>
-            <a:ext cx="560403" cy="756617"/>
-          </a:xfrm>
-          <a:prstGeom prst="rect">
-            <a:avLst/>
-          </a:prstGeom>
-        </p:spPr>
-      </p:pic>
-      <p:pic>
-        <p:nvPicPr>
-          <p:cNvPr id="5" name="図 4"/>
-          <p:cNvPicPr>
-            <a:picLocks noChangeAspect="1"/>
-          </p:cNvPicPr>
-          <p:nvPr/>
-        </p:nvPicPr>
-        <p:blipFill rotWithShape="1">
-          <a:blip r:embed="rId3">
-            <a:extLst>
-              <a:ext uri="{28A0092B-C50C-407E-A947-70E740481C1C}">
-                <a14:useLocalDpi xmlns:a14="http://schemas.microsoft.com/office/drawing/2010/main" val="0"/>
-              </a:ext>
-            </a:extLst>
-          </a:blip>
-          <a:srcRect r="82504" b="74037"/>
-          <a:stretch/>
-        </p:blipFill>
-        <p:spPr>
-          <a:xfrm>
-            <a:off x="10098592" y="2689015"/>
-            <a:ext cx="666322" cy="988782"/>
-          </a:xfrm>
-          <a:prstGeom prst="rect">
-            <a:avLst/>
-          </a:prstGeom>
-        </p:spPr>
-      </p:pic>
-      <p:sp>
-        <p:nvSpPr>
-          <p:cNvPr id="6" name="正方形/長方形 5"/>
-          <p:cNvSpPr/>
-          <p:nvPr/>
-        </p:nvSpPr>
-        <p:spPr>
-          <a:xfrm>
-            <a:off x="8180208" y="3677797"/>
-            <a:ext cx="1512858" cy="369332"/>
-          </a:xfrm>
-          <a:prstGeom prst="rect">
-            <a:avLst/>
-          </a:prstGeom>
-        </p:spPr>
-        <p:txBody>
-          <a:bodyPr wrap="square">
-            <a:spAutoFit/>
-          </a:bodyPr>
-          <a:lstStyle/>
-          <a:p>
-            <a:pPr algn="ctr"/>
-            <a:r>
-              <a:rPr lang="ja-JP" altLang="en-US" b="1" dirty="0" smtClean="0">
-                <a:solidFill>
-                  <a:srgbClr val="4C4C4C"/>
-                </a:solidFill>
-                <a:latin typeface="Avenir"/>
-              </a:rPr>
-              <a:t>↑</a:t>
-            </a:r>
-            <a:r>
-              <a:rPr lang="en-US" altLang="ja-JP" b="1" dirty="0" smtClean="0">
-                <a:solidFill>
-                  <a:srgbClr val="4C4C4C"/>
-                </a:solidFill>
-                <a:latin typeface="Avenir"/>
-              </a:rPr>
-              <a:t>PC</a:t>
-            </a:r>
-          </a:p>
-        </p:txBody>
-      </p:sp>
-      <p:sp>
-        <p:nvSpPr>
-          <p:cNvPr id="7" name="正方形/長方形 6"/>
-          <p:cNvSpPr/>
-          <p:nvPr/>
-        </p:nvSpPr>
-        <p:spPr>
-          <a:xfrm>
-            <a:off x="9657582" y="3677797"/>
-            <a:ext cx="1512858" cy="369332"/>
-          </a:xfrm>
-          <a:prstGeom prst="rect">
-            <a:avLst/>
-          </a:prstGeom>
-        </p:spPr>
-        <p:txBody>
-          <a:bodyPr wrap="square">
-            <a:spAutoFit/>
-          </a:bodyPr>
-          <a:lstStyle/>
-          <a:p>
-            <a:pPr algn="ctr"/>
-            <a:r>
-              <a:rPr lang="ja-JP" altLang="en-US" b="1" dirty="0" smtClean="0">
-                <a:solidFill>
-                  <a:srgbClr val="4C4C4C"/>
-                </a:solidFill>
-                <a:latin typeface="Avenir"/>
-              </a:rPr>
-              <a:t>↑</a:t>
-            </a:r>
-            <a:r>
-              <a:rPr lang="en-US" altLang="ja-JP" b="1" dirty="0" smtClean="0">
-                <a:solidFill>
-                  <a:srgbClr val="4C4C4C"/>
-                </a:solidFill>
-                <a:latin typeface="Avenir"/>
-              </a:rPr>
-              <a:t>NPC</a:t>
-            </a:r>
-          </a:p>
-        </p:txBody>
-      </p:sp>
-    </p:spTree>
-    <p:extLst>
-      <p:ext uri="{BB962C8B-B14F-4D97-AF65-F5344CB8AC3E}">
-        <p14:creationId xmlns:p14="http://schemas.microsoft.com/office/powerpoint/2010/main" val="982633566"/>
-      </p:ext>
-    </p:extLst>
-  </p:cSld>
-  <p:clrMapOvr>
-    <a:masterClrMapping/>
-  </p:clrMapOvr>
-  <p:timing>
-    <p:tnLst>
-      <p:par>
-        <p:cTn id="1" dur="indefinite" restart="never" nodeType="tmRoot"/>
-      </p:par>
-    </p:tnLst>
-  </p:timing>
-</p:sld>
-</file>
-
-<file path=ppt/slides/slide5.xml><?xml version="1.0" encoding="utf-8"?>
 <p:sld xmlns:a="http://schemas.openxmlformats.org/drawingml/2006/main" xmlns:r="http://schemas.openxmlformats.org/officeDocument/2006/relationships" xmlns:p="http://schemas.openxmlformats.org/presentationml/2006/main">
   <p:cSld>
     <p:spTree>
@@ -4960,7 +4478,7 @@
 </p:sld>
 </file>
 
-<file path=ppt/slides/slide6.xml><?xml version="1.0" encoding="utf-8"?>
+<file path=ppt/slides/slide5.xml><?xml version="1.0" encoding="utf-8"?>
 <p:sld xmlns:a="http://schemas.openxmlformats.org/drawingml/2006/main" xmlns:r="http://schemas.openxmlformats.org/officeDocument/2006/relationships" xmlns:p="http://schemas.openxmlformats.org/presentationml/2006/main">
   <p:cSld>
     <p:spTree>
@@ -5188,7 +4706,7 @@
 </p:sld>
 </file>
 
-<file path=ppt/slides/slide7.xml><?xml version="1.0" encoding="utf-8"?>
+<file path=ppt/slides/slide6.xml><?xml version="1.0" encoding="utf-8"?>
 <p:sld xmlns:a="http://schemas.openxmlformats.org/drawingml/2006/main" xmlns:r="http://schemas.openxmlformats.org/officeDocument/2006/relationships" xmlns:p="http://schemas.openxmlformats.org/presentationml/2006/main">
   <p:cSld>
     <p:spTree>
@@ -5397,7 +4915,7 @@
 </p:sld>
 </file>
 
-<file path=ppt/slides/slide8.xml><?xml version="1.0" encoding="utf-8"?>
+<file path=ppt/slides/slide7.xml><?xml version="1.0" encoding="utf-8"?>
 <p:sld xmlns:a="http://schemas.openxmlformats.org/drawingml/2006/main" xmlns:r="http://schemas.openxmlformats.org/officeDocument/2006/relationships" xmlns:p="http://schemas.openxmlformats.org/presentationml/2006/main">
   <p:cSld>
     <p:spTree>
@@ -6326,6 +5844,124 @@
 </p:sld>
 </file>
 
+<file path=ppt/slides/slide8.xml><?xml version="1.0" encoding="utf-8"?>
+<p:sld xmlns:a="http://schemas.openxmlformats.org/drawingml/2006/main" xmlns:r="http://schemas.openxmlformats.org/officeDocument/2006/relationships" xmlns:p="http://schemas.openxmlformats.org/presentationml/2006/main">
+  <p:cSld>
+    <p:spTree>
+      <p:nvGrpSpPr>
+        <p:cNvPr id="1" name=""/>
+        <p:cNvGrpSpPr/>
+        <p:nvPr/>
+      </p:nvGrpSpPr>
+      <p:grpSpPr>
+        <a:xfrm>
+          <a:off x="0" y="0"/>
+          <a:ext cx="0" cy="0"/>
+          <a:chOff x="0" y="0"/>
+          <a:chExt cx="0" cy="0"/>
+        </a:xfrm>
+      </p:grpSpPr>
+      <p:sp>
+        <p:nvSpPr>
+          <p:cNvPr id="2" name="タイトル 1"/>
+          <p:cNvSpPr>
+            <a:spLocks noGrp="1"/>
+          </p:cNvSpPr>
+          <p:nvPr>
+            <p:ph type="title"/>
+          </p:nvPr>
+        </p:nvSpPr>
+        <p:spPr/>
+        <p:txBody>
+          <a:bodyPr>
+            <a:normAutofit fontScale="90000"/>
+          </a:bodyPr>
+          <a:lstStyle/>
+          <a:p>
+            <a:r>
+              <a:rPr kumimoji="1" lang="ja-JP" altLang="en-US" b="1" dirty="0" err="1" smtClean="0"/>
+              <a:t>ー</a:t>
+            </a:r>
+            <a:r>
+              <a:rPr kumimoji="1" lang="ja-JP" altLang="en-US" b="1" dirty="0" smtClean="0"/>
+              <a:t>ーー</a:t>
+            </a:r>
+            <a:r>
+              <a:rPr kumimoji="1" lang="ja-JP" altLang="en-US" b="1" dirty="0" err="1" smtClean="0"/>
+              <a:t>ーーーーーーーーーーーーーーー</a:t>
+            </a:r>
+            <a:r>
+              <a:rPr kumimoji="1" lang="en-US" altLang="ja-JP" b="1" dirty="0" smtClean="0"/>
+              <a:t/>
+            </a:r>
+            <a:br>
+              <a:rPr kumimoji="1" lang="en-US" altLang="ja-JP" b="1" dirty="0" smtClean="0"/>
+            </a:br>
+            <a:r>
+              <a:rPr kumimoji="1" lang="en-US" altLang="ja-JP" b="1" dirty="0" smtClean="0"/>
+              <a:t/>
+            </a:r>
+            <a:br>
+              <a:rPr kumimoji="1" lang="en-US" altLang="ja-JP" b="1" dirty="0" smtClean="0"/>
+            </a:br>
+            <a:r>
+              <a:rPr kumimoji="1" lang="ja-JP" altLang="en-US" b="1" dirty="0" smtClean="0"/>
+              <a:t>実演</a:t>
+            </a:r>
+            <a:endParaRPr kumimoji="1" lang="ja-JP" altLang="en-US" b="1" dirty="0"/>
+          </a:p>
+        </p:txBody>
+      </p:sp>
+      <p:sp>
+        <p:nvSpPr>
+          <p:cNvPr id="3" name="コンテンツ プレースホルダー 2"/>
+          <p:cNvSpPr>
+            <a:spLocks noGrp="1"/>
+          </p:cNvSpPr>
+          <p:nvPr>
+            <p:ph idx="1"/>
+          </p:nvPr>
+        </p:nvSpPr>
+        <p:spPr/>
+        <p:txBody>
+          <a:bodyPr/>
+          <a:lstStyle/>
+          <a:p>
+            <a:pPr marL="0" indent="0">
+              <a:buNone/>
+            </a:pPr>
+            <a:r>
+              <a:rPr lang="ja-JP" altLang="en-US" dirty="0"/>
+              <a:t>◎</a:t>
+            </a:r>
+            <a:r>
+              <a:rPr lang="ja-JP" altLang="en-US" dirty="0" smtClean="0"/>
+              <a:t>実際にゲームを操作します（動画）</a:t>
+            </a:r>
+            <a:endParaRPr lang="en-US" altLang="ja-JP" dirty="0" smtClean="0"/>
+          </a:p>
+        </p:txBody>
+      </p:sp>
+    </p:spTree>
+    <p:extLst>
+      <p:ext uri="{BB962C8B-B14F-4D97-AF65-F5344CB8AC3E}">
+        <p14:creationId xmlns:p14="http://schemas.microsoft.com/office/powerpoint/2010/main" val="3404476257"/>
+      </p:ext>
+    </p:extLst>
+  </p:cSld>
+  <p:clrMapOvr>
+    <a:masterClrMapping/>
+  </p:clrMapOvr>
+  <p:timing>
+    <p:tnLst>
+      <p:par>
+        <p:cTn id="1" dur="indefinite" restart="never" nodeType="tmRoot"/>
+      </p:par>
+    </p:tnLst>
+  </p:timing>
+</p:sld>
+</file>
+
 <file path=ppt/slides/slide9.xml><?xml version="1.0" encoding="utf-8"?>
 <p:sld xmlns:a="http://schemas.openxmlformats.org/drawingml/2006/main" xmlns:r="http://schemas.openxmlformats.org/officeDocument/2006/relationships" xmlns:p="http://schemas.openxmlformats.org/presentationml/2006/main">
   <p:cSld>
@@ -6355,55 +5991,68 @@
         </p:nvSpPr>
         <p:spPr/>
         <p:txBody>
+          <a:bodyPr>
+            <a:normAutofit/>
+          </a:bodyPr>
+          <a:lstStyle/>
+          <a:p>
+            <a:r>
+              <a:rPr lang="ja-JP" altLang="en-US" b="1" dirty="0" smtClean="0"/>
+              <a:t>制作に苦労した点</a:t>
+            </a:r>
+            <a:endParaRPr kumimoji="1" lang="ja-JP" altLang="en-US" b="1" dirty="0"/>
+          </a:p>
+        </p:txBody>
+      </p:sp>
+      <p:sp>
+        <p:nvSpPr>
+          <p:cNvPr id="3" name="コンテンツ プレースホルダー 2"/>
+          <p:cNvSpPr>
+            <a:spLocks noGrp="1"/>
+          </p:cNvSpPr>
+          <p:nvPr>
+            <p:ph idx="1"/>
+          </p:nvPr>
+        </p:nvSpPr>
+        <p:spPr/>
+        <p:txBody>
           <a:bodyPr/>
           <a:lstStyle/>
           <a:p>
-            <a:r>
-              <a:rPr kumimoji="1" lang="ja-JP" altLang="en-US" b="1" dirty="0" smtClean="0"/>
-              <a:t>実演</a:t>
-            </a:r>
-            <a:endParaRPr kumimoji="1" lang="ja-JP" altLang="en-US" b="1" dirty="0"/>
-          </a:p>
-        </p:txBody>
-      </p:sp>
-      <p:sp>
-        <p:nvSpPr>
-          <p:cNvPr id="3" name="コンテンツ プレースホルダー 2"/>
-          <p:cNvSpPr>
-            <a:spLocks noGrp="1"/>
-          </p:cNvSpPr>
-          <p:nvPr>
-            <p:ph idx="1"/>
-          </p:nvPr>
-        </p:nvSpPr>
-        <p:spPr/>
-        <p:txBody>
-          <a:bodyPr/>
-          <a:lstStyle/>
-          <a:p>
             <a:pPr marL="0" indent="0">
+              <a:lnSpc>
+                <a:spcPct val="200000"/>
+              </a:lnSpc>
               <a:buNone/>
             </a:pPr>
             <a:r>
-              <a:rPr lang="ja-JP" altLang="en-US" dirty="0"/>
-              <a:t>◎</a:t>
-            </a:r>
-            <a:r>
-              <a:rPr lang="ja-JP" altLang="en-US" dirty="0" smtClean="0"/>
-              <a:t>実際に</a:t>
-            </a:r>
-            <a:r>
-              <a:rPr lang="ja-JP" altLang="en-US" dirty="0" smtClean="0"/>
-              <a:t>ゲームを操作します（動画）</a:t>
-            </a:r>
-            <a:endParaRPr lang="en-US" altLang="ja-JP" dirty="0" smtClean="0"/>
+              <a:rPr kumimoji="1" lang="ja-JP" altLang="en-US" dirty="0" smtClean="0"/>
+              <a:t>◎ゲームの内容自体が複雑であるため、一つ一つ実装するのに時間をかけたこと</a:t>
+            </a:r>
+            <a:endParaRPr kumimoji="1" lang="en-US" altLang="ja-JP" dirty="0" smtClean="0"/>
+          </a:p>
+          <a:p>
+            <a:pPr marL="0" indent="0">
+              <a:lnSpc>
+                <a:spcPct val="200000"/>
+              </a:lnSpc>
+              <a:buNone/>
+            </a:pPr>
+            <a:r>
+              <a:rPr kumimoji="1" lang="ja-JP" altLang="en-US" dirty="0" smtClean="0"/>
+              <a:t>◎小学生でも遊べるようなゲームバランスの調整をすることに時間をかけたこと</a:t>
+            </a:r>
+            <a:endParaRPr lang="en-US" altLang="ja-JP" dirty="0"/>
+          </a:p>
+          <a:p>
+            <a:endParaRPr kumimoji="1" lang="en-US" altLang="ja-JP" dirty="0" smtClean="0"/>
           </a:p>
         </p:txBody>
       </p:sp>
     </p:spTree>
     <p:extLst>
       <p:ext uri="{BB962C8B-B14F-4D97-AF65-F5344CB8AC3E}">
-        <p14:creationId xmlns:p14="http://schemas.microsoft.com/office/powerpoint/2010/main" val="3404476257"/>
+        <p14:creationId xmlns:p14="http://schemas.microsoft.com/office/powerpoint/2010/main" val="3621296563"/>
       </p:ext>
     </p:extLst>
   </p:cSld>
